--- a/FInal Project Plan.pptx
+++ b/FInal Project Plan.pptx
@@ -7353,7 +7353,15 @@
             </a:r>
             <a:r>
               <a:rPr lang="en-US" dirty="0"/>
-              <a:t> library for Scala.</a:t>
+              <a:t> library for Java and </a:t>
+            </a:r>
+            <a:r>
+              <a:rPr lang="en-US" dirty="0" err="1"/>
+              <a:t>GraphX</a:t>
+            </a:r>
+            <a:r>
+              <a:rPr lang="en-US" dirty="0"/>
+              <a:t> of Spark.</a:t>
             </a:r>
           </a:p>
           <a:p>
@@ -7386,10 +7394,9 @@
               <a:t>gml</a:t>
             </a:r>
             <a:r>
-              <a:rPr lang="en-US"/>
+              <a:rPr lang="en-US" dirty="0"/>
               <a:t> files.</a:t>
             </a:r>
-            <a:endParaRPr lang="en-US" dirty="0"/>
           </a:p>
         </p:txBody>
       </p:sp>
